--- a/materials/slides/ch04.pptx
+++ b/materials/slides/ch04.pptx
@@ -18,7 +18,8 @@
     <p:sldId id="1178" r:id="rId11"/>
     <p:sldId id="1171" r:id="rId12"/>
     <p:sldId id="1172" r:id="rId13"/>
-    <p:sldId id="1154" r:id="rId14"/>
+    <p:sldId id="1188" r:id="rId14"/>
+    <p:sldId id="1154" r:id="rId15"/>
   </p:sldIdLst>
   <p:sldSz cx="12192000" cy="6858000"/>
   <p:notesSz cx="6797675" cy="9928225"/>
@@ -3161,6 +3162,443 @@
         <p:cNvGrpSpPr/>
         <p:nvPr/>
       </p:nvGrpSpPr>
+      <p:grpSpPr>
+        <a:xfrm>
+          <a:off x="0" y="0"/>
+          <a:ext cx="0" cy="0"/>
+          <a:chOff x="0" y="0"/>
+          <a:chExt cx="0" cy="0"/>
+        </a:xfrm>
+      </p:grpSpPr>
+      <p:sp>
+        <p:nvSpPr>
+          <p:cNvPr id="5122" name="内容占位符 2"/>
+          <p:cNvSpPr>
+            <a:spLocks noGrp="1"/>
+          </p:cNvSpPr>
+          <p:nvPr>
+            <p:ph idx="1"/>
+          </p:nvPr>
+        </p:nvSpPr>
+        <p:spPr>
+          <a:xfrm>
+            <a:off x="896620" y="829945"/>
+            <a:ext cx="10385425" cy="5245100"/>
+          </a:xfrm>
+        </p:spPr>
+        <p:txBody>
+          <a:bodyPr/>
+          <a:lstStyle/>
+          <a:p>
+            <a:pPr marL="0" indent="0">
+              <a:lnSpc>
+                <a:spcPct val="150000"/>
+              </a:lnSpc>
+              <a:spcBef>
+                <a:spcPts val="1000"/>
+              </a:spcBef>
+              <a:buNone/>
+            </a:pPr>
+            <a:br>
+              <a:rPr lang="en-US" altLang="zh-CN" sz="2000" noProof="1">
+                <a:solidFill>
+                  <a:schemeClr val="tx1"/>
+                </a:solidFill>
+                <a:latin typeface="微软雅黑" panose="020B0503020204020204" pitchFamily="34" charset="-122"/>
+                <a:ea typeface="微软雅黑" panose="020B0503020204020204" pitchFamily="34" charset="-122"/>
+                <a:sym typeface="+mn-ea"/>
+              </a:rPr>
+            </a:br>
+            <a:endParaRPr lang="zh-CN" altLang="en-US" sz="2800" noProof="1">
+              <a:solidFill>
+                <a:schemeClr val="tx1"/>
+              </a:solidFill>
+              <a:latin typeface="微软雅黑" panose="020B0503020204020204" pitchFamily="34" charset="-122"/>
+              <a:ea typeface="微软雅黑" panose="020B0503020204020204" pitchFamily="34" charset="-122"/>
+              <a:sym typeface="+mn-ea"/>
+            </a:endParaRPr>
+          </a:p>
+          <a:p>
+            <a:pPr>
+              <a:lnSpc>
+                <a:spcPct val="150000"/>
+              </a:lnSpc>
+              <a:spcBef>
+                <a:spcPts val="1000"/>
+              </a:spcBef>
+            </a:pPr>
+            <a:endParaRPr lang="en-US" altLang="zh-CN" sz="2800" noProof="1">
+              <a:solidFill>
+                <a:schemeClr val="tx1"/>
+              </a:solidFill>
+              <a:latin typeface="微软雅黑" panose="020B0503020204020204" pitchFamily="34" charset="-122"/>
+              <a:ea typeface="微软雅黑" panose="020B0503020204020204" pitchFamily="34" charset="-122"/>
+            </a:endParaRPr>
+          </a:p>
+          <a:p>
+            <a:pPr marL="0" indent="0">
+              <a:buFont typeface="Wingdings 2" panose="05020102010507070707" pitchFamily="18" charset="2"/>
+              <a:buNone/>
+            </a:pPr>
+            <a:endParaRPr lang="en-US" altLang="zh-CN" noProof="1">
+              <a:solidFill>
+                <a:schemeClr val="tx1"/>
+              </a:solidFill>
+              <a:latin typeface="微软雅黑" panose="020B0503020204020204" pitchFamily="34" charset="-122"/>
+              <a:ea typeface="微软雅黑" panose="020B0503020204020204" pitchFamily="34" charset="-122"/>
+            </a:endParaRPr>
+          </a:p>
+        </p:txBody>
+      </p:sp>
+      <p:sp>
+        <p:nvSpPr>
+          <p:cNvPr id="2" name="内容占位符 1"/>
+          <p:cNvSpPr>
+            <a:spLocks noGrp="1"/>
+          </p:cNvSpPr>
+          <p:nvPr>
+            <p:ph sz="quarter" idx="11"/>
+          </p:nvPr>
+        </p:nvSpPr>
+        <p:spPr>
+          <a:xfrm>
+            <a:off x="947420" y="236855"/>
+            <a:ext cx="8415655" cy="490220"/>
+          </a:xfrm>
+        </p:spPr>
+        <p:txBody>
+          <a:bodyPr/>
+          <a:p>
+            <a:r>
+              <a:rPr kumimoji="0" lang="zh-CN" altLang="en-US" dirty="0"/>
+              <a:t>微信小游戏</a:t>
+            </a:r>
+            <a:r>
+              <a:rPr kumimoji="0" lang="en-US" altLang="zh-CN" dirty="0"/>
+              <a:t>-</a:t>
+            </a:r>
+            <a:r>
+              <a:rPr kumimoji="0" lang="zh-CN" altLang="en-US" dirty="0"/>
+              <a:t>起步案例</a:t>
+            </a:r>
+            <a:endParaRPr kumimoji="0" lang="zh-CN" altLang="en-US" dirty="0"/>
+          </a:p>
+        </p:txBody>
+      </p:sp>
+      <p:pic>
+        <p:nvPicPr>
+          <p:cNvPr id="4" name="图片 3" descr="J~4VQKE9380AA]UW(4GX$]P"/>
+          <p:cNvPicPr>
+            <a:picLocks noChangeAspect="1"/>
+          </p:cNvPicPr>
+          <p:nvPr/>
+        </p:nvPicPr>
+        <p:blipFill>
+          <a:blip r:embed="rId1"/>
+          <a:stretch>
+            <a:fillRect/>
+          </a:stretch>
+        </p:blipFill>
+        <p:spPr>
+          <a:xfrm>
+            <a:off x="1310640" y="1080135"/>
+            <a:ext cx="8772525" cy="4314825"/>
+          </a:xfrm>
+          <a:prstGeom prst="rect">
+            <a:avLst/>
+          </a:prstGeom>
+        </p:spPr>
+      </p:pic>
+      <p:sp>
+        <p:nvSpPr>
+          <p:cNvPr id="5" name="文本框 4"/>
+          <p:cNvSpPr txBox="1"/>
+          <p:nvPr/>
+        </p:nvSpPr>
+        <p:spPr>
+          <a:xfrm>
+            <a:off x="1310640" y="5585460"/>
+            <a:ext cx="9194800" cy="429895"/>
+          </a:xfrm>
+          <a:prstGeom prst="rect">
+            <a:avLst/>
+          </a:prstGeom>
+          <a:noFill/>
+        </p:spPr>
+        <p:txBody>
+          <a:bodyPr wrap="square" rtlCol="0">
+            <a:spAutoFit/>
+          </a:bodyPr>
+          <a:p>
+            <a:pPr algn="l"/>
+            <a:r>
+              <a:rPr lang="zh-CN" sz="2200">
+                <a:solidFill>
+                  <a:srgbClr val="FF0000"/>
+                </a:solidFill>
+                <a:latin typeface="+mn-ea"/>
+                <a:ea typeface="+mn-ea"/>
+                <a:sym typeface="+mn-ea"/>
+              </a:rPr>
+              <a:t>链接地址：</a:t>
+            </a:r>
+            <a:r>
+              <a:rPr sz="2200">
+                <a:solidFill>
+                  <a:srgbClr val="FF0000"/>
+                </a:solidFill>
+                <a:latin typeface="+mn-ea"/>
+                <a:ea typeface="+mn-ea"/>
+                <a:sym typeface="+mn-ea"/>
+              </a:rPr>
+              <a:t>https://developers.weixin.qq.com/minigame/dev/guide/</a:t>
+            </a:r>
+            <a:endParaRPr sz="2200">
+              <a:solidFill>
+                <a:srgbClr val="FF0000"/>
+              </a:solidFill>
+              <a:latin typeface="+mn-ea"/>
+              <a:ea typeface="+mn-ea"/>
+              <a:sym typeface="+mn-ea"/>
+            </a:endParaRPr>
+          </a:p>
+        </p:txBody>
+      </p:sp>
+    </p:spTree>
+  </p:cSld>
+  <p:clrMapOvr>
+    <a:masterClrMapping/>
+  </p:clrMapOvr>
+  <p:timing>
+    <p:tnLst>
+      <p:par>
+        <p:cTn id="1" dur="indefinite" restart="never" nodeType="tmRoot">
+          <p:childTnLst>
+            <p:seq concurrent="1" nextAc="seek">
+              <p:cTn id="2" dur="indefinite" nodeType="mainSeq">
+                <p:childTnLst>
+                  <p:par>
+                    <p:cTn id="3" fill="hold">
+                      <p:stCondLst>
+                        <p:cond delay="indefinite"/>
+                      </p:stCondLst>
+                      <p:childTnLst>
+                        <p:par>
+                          <p:cTn id="4" fill="hold">
+                            <p:stCondLst>
+                              <p:cond delay="0"/>
+                            </p:stCondLst>
+                            <p:childTnLst>
+                              <p:par>
+                                <p:cTn id="5" presetID="2" presetClass="entr" presetSubtype="4" fill="hold" nodeType="clickEffect">
+                                  <p:stCondLst>
+                                    <p:cond delay="0"/>
+                                  </p:stCondLst>
+                                  <p:childTnLst>
+                                    <p:set>
+                                      <p:cBhvr>
+                                        <p:cTn id="6" dur="1" fill="hold">
+                                          <p:stCondLst>
+                                            <p:cond delay="0"/>
+                                          </p:stCondLst>
+                                        </p:cTn>
+                                        <p:tgtEl>
+                                          <p:spTgt spid="5122">
+                                            <p:txEl>
+                                              <p:pRg st="0" end="0"/>
+                                            </p:txEl>
+                                          </p:spTgt>
+                                        </p:tgtEl>
+                                        <p:attrNameLst>
+                                          <p:attrName>style.visibility</p:attrName>
+                                        </p:attrNameLst>
+                                      </p:cBhvr>
+                                      <p:to>
+                                        <p:strVal val="visible"/>
+                                      </p:to>
+                                    </p:set>
+                                    <p:anim calcmode="lin" valueType="num">
+                                      <p:cBhvr additive="base">
+                                        <p:cTn id="7" dur="500" fill="hold"/>
+                                        <p:tgtEl>
+                                          <p:spTgt spid="5122">
+                                            <p:txEl>
+                                              <p:pRg st="0" end="0"/>
+                                            </p:txEl>
+                                          </p:spTgt>
+                                        </p:tgtEl>
+                                        <p:attrNameLst>
+                                          <p:attrName>ppt_x</p:attrName>
+                                        </p:attrNameLst>
+                                      </p:cBhvr>
+                                      <p:tavLst>
+                                        <p:tav tm="0">
+                                          <p:val>
+                                            <p:strVal val="#ppt_x"/>
+                                          </p:val>
+                                        </p:tav>
+                                        <p:tav tm="100000">
+                                          <p:val>
+                                            <p:strVal val="#ppt_x"/>
+                                          </p:val>
+                                        </p:tav>
+                                      </p:tavLst>
+                                    </p:anim>
+                                    <p:anim calcmode="lin" valueType="num">
+                                      <p:cBhvr additive="base">
+                                        <p:cTn id="8" dur="500" fill="hold"/>
+                                        <p:tgtEl>
+                                          <p:spTgt spid="5122">
+                                            <p:txEl>
+                                              <p:pRg st="0" end="0"/>
+                                            </p:txEl>
+                                          </p:spTgt>
+                                        </p:tgtEl>
+                                        <p:attrNameLst>
+                                          <p:attrName>ppt_y</p:attrName>
+                                        </p:attrNameLst>
+                                      </p:cBhvr>
+                                      <p:tavLst>
+                                        <p:tav tm="0">
+                                          <p:val>
+                                            <p:strVal val="1+#ppt_h/2"/>
+                                          </p:val>
+                                        </p:tav>
+                                        <p:tav tm="100000">
+                                          <p:val>
+                                            <p:strVal val="#ppt_y"/>
+                                          </p:val>
+                                        </p:tav>
+                                      </p:tavLst>
+                                    </p:anim>
+                                  </p:childTnLst>
+                                </p:cTn>
+                              </p:par>
+                            </p:childTnLst>
+                          </p:cTn>
+                        </p:par>
+                        <p:par>
+                          <p:cTn id="9" fill="hold">
+                            <p:stCondLst>
+                              <p:cond delay="500"/>
+                            </p:stCondLst>
+                            <p:childTnLst>
+                              <p:par>
+                                <p:cTn id="10" presetID="2" presetClass="entr" presetSubtype="4" fill="hold" grpId="0" nodeType="afterEffect">
+                                  <p:stCondLst>
+                                    <p:cond delay="0"/>
+                                  </p:stCondLst>
+                                  <p:childTnLst>
+                                    <p:set>
+                                      <p:cBhvr>
+                                        <p:cTn id="11" dur="1" fill="hold">
+                                          <p:stCondLst>
+                                            <p:cond delay="0"/>
+                                          </p:stCondLst>
+                                        </p:cTn>
+                                        <p:tgtEl>
+                                          <p:spTgt spid="5"/>
+                                        </p:tgtEl>
+                                        <p:attrNameLst>
+                                          <p:attrName>style.visibility</p:attrName>
+                                        </p:attrNameLst>
+                                      </p:cBhvr>
+                                      <p:to>
+                                        <p:strVal val="visible"/>
+                                      </p:to>
+                                    </p:set>
+                                    <p:anim calcmode="lin" valueType="num">
+                                      <p:cBhvr additive="base">
+                                        <p:cTn id="12" dur="500" fill="hold"/>
+                                        <p:tgtEl>
+                                          <p:spTgt spid="5"/>
+                                        </p:tgtEl>
+                                        <p:attrNameLst>
+                                          <p:attrName>ppt_x</p:attrName>
+                                        </p:attrNameLst>
+                                      </p:cBhvr>
+                                      <p:tavLst>
+                                        <p:tav tm="0">
+                                          <p:val>
+                                            <p:strVal val="#ppt_x"/>
+                                          </p:val>
+                                        </p:tav>
+                                        <p:tav tm="100000">
+                                          <p:val>
+                                            <p:strVal val="#ppt_x"/>
+                                          </p:val>
+                                        </p:tav>
+                                      </p:tavLst>
+                                    </p:anim>
+                                    <p:anim calcmode="lin" valueType="num">
+                                      <p:cBhvr additive="base">
+                                        <p:cTn id="13" dur="500" fill="hold"/>
+                                        <p:tgtEl>
+                                          <p:spTgt spid="5"/>
+                                        </p:tgtEl>
+                                        <p:attrNameLst>
+                                          <p:attrName>ppt_y</p:attrName>
+                                        </p:attrNameLst>
+                                      </p:cBhvr>
+                                      <p:tavLst>
+                                        <p:tav tm="0">
+                                          <p:val>
+                                            <p:strVal val="1+#ppt_h/2"/>
+                                          </p:val>
+                                        </p:tav>
+                                        <p:tav tm="100000">
+                                          <p:val>
+                                            <p:strVal val="#ppt_y"/>
+                                          </p:val>
+                                        </p:tav>
+                                      </p:tavLst>
+                                    </p:anim>
+                                  </p:childTnLst>
+                                </p:cTn>
+                              </p:par>
+                            </p:childTnLst>
+                          </p:cTn>
+                        </p:par>
+                      </p:childTnLst>
+                    </p:cTn>
+                  </p:par>
+                </p:childTnLst>
+              </p:cTn>
+              <p:prevCondLst>
+                <p:cond evt="onPrev" delay="0">
+                  <p:tgtEl>
+                    <p:sldTgt/>
+                  </p:tgtEl>
+                </p:cond>
+              </p:prevCondLst>
+              <p:nextCondLst>
+                <p:cond evt="onNext" delay="0">
+                  <p:tgtEl>
+                    <p:sldTgt/>
+                  </p:tgtEl>
+                </p:cond>
+              </p:nextCondLst>
+            </p:seq>
+          </p:childTnLst>
+        </p:cTn>
+      </p:par>
+    </p:tnLst>
+    <p:bldLst>
+      <p:bldP spid="5" grpId="0"/>
+    </p:bldLst>
+  </p:timing>
+</p:sld>
+</file>
+
+<file path=ppt/slides/slide12.xml><?xml version="1.0" encoding="utf-8"?>
+<p:sld xmlns:a="http://schemas.openxmlformats.org/drawingml/2006/main" xmlns:r="http://schemas.openxmlformats.org/officeDocument/2006/relationships" xmlns:p="http://schemas.openxmlformats.org/presentationml/2006/main">
+  <p:cSld>
+    <p:spTree>
+      <p:nvGrpSpPr>
+        <p:cNvPr id="1" name=""/>
+        <p:cNvGrpSpPr/>
+        <p:nvPr/>
+      </p:nvGrpSpPr>
       <p:grpSpPr/>
       <p:pic>
         <p:nvPicPr>
@@ -4943,7 +5381,7 @@
       </p:sp>
       <p:pic>
         <p:nvPicPr>
-          <p:cNvPr id="5" name="图片 4" descr="]IOMUSKK`37R`D5Y(9NM956"/>
+          <p:cNvPr id="3" name="图片 2" descr="Y_1S~BGU0(0`GTEU7P5(LDK"/>
           <p:cNvPicPr>
             <a:picLocks noChangeAspect="1"/>
           </p:cNvPicPr>
@@ -4957,8 +5395,8 @@
         </p:blipFill>
         <p:spPr>
           <a:xfrm>
-            <a:off x="2045970" y="1549400"/>
-            <a:ext cx="7656195" cy="4525645"/>
+            <a:off x="1399540" y="1795145"/>
+            <a:ext cx="8830310" cy="3813175"/>
           </a:xfrm>
           <a:prstGeom prst="rect">
             <a:avLst/>
@@ -5007,7 +5445,7 @@
                                           </p:stCondLst>
                                         </p:cTn>
                                         <p:tgtEl>
-                                          <p:spTgt spid="5"/>
+                                          <p:spTgt spid="3"/>
                                         </p:tgtEl>
                                         <p:attrNameLst>
                                           <p:attrName>style.visibility</p:attrName>
@@ -5021,7 +5459,7 @@
                                       <p:cBhvr additive="base">
                                         <p:cTn id="7" dur="500" fill="hold"/>
                                         <p:tgtEl>
-                                          <p:spTgt spid="5"/>
+                                          <p:spTgt spid="3"/>
                                         </p:tgtEl>
                                         <p:attrNameLst>
                                           <p:attrName>ppt_x</p:attrName>
@@ -5044,7 +5482,7 @@
                                       <p:cBhvr additive="base">
                                         <p:cTn id="8" dur="500" fill="hold"/>
                                         <p:tgtEl>
-                                          <p:spTgt spid="5"/>
+                                          <p:spTgt spid="3"/>
                                         </p:tgtEl>
                                         <p:attrNameLst>
                                           <p:attrName>ppt_y</p:attrName>
@@ -5172,6 +5610,45 @@
                 <a:ea typeface="微软雅黑" panose="020B0503020204020204" pitchFamily="34" charset="-122"/>
                 <a:sym typeface="+mn-ea"/>
               </a:rPr>
+              <a:t>var </a:t>
+            </a:r>
+            <a:r>
+              <a:rPr sz="2400">
+                <a:solidFill>
+                  <a:schemeClr val="tx1"/>
+                </a:solidFill>
+                <a:sym typeface="+mn-ea"/>
+              </a:rPr>
+              <a:t>animHandle</a:t>
+            </a:r>
+            <a:r>
+              <a:rPr lang="en-US" sz="2400">
+                <a:solidFill>
+                  <a:schemeClr val="tx1"/>
+                </a:solidFill>
+                <a:sym typeface="+mn-ea"/>
+              </a:rPr>
+              <a:t>;</a:t>
+            </a:r>
+            <a:br>
+              <a:rPr lang="zh-CN" altLang="en-US" sz="2800" noProof="1">
+                <a:solidFill>
+                  <a:schemeClr val="tx1"/>
+                </a:solidFill>
+                <a:latin typeface="微软雅黑" panose="020B0503020204020204" pitchFamily="34" charset="-122"/>
+                <a:ea typeface="微软雅黑" panose="020B0503020204020204" pitchFamily="34" charset="-122"/>
+                <a:sym typeface="+mn-ea"/>
+              </a:rPr>
+            </a:br>
+            <a:r>
+              <a:rPr sz="2400" noProof="1">
+                <a:solidFill>
+                  <a:schemeClr val="tx1"/>
+                </a:solidFill>
+                <a:latin typeface="微软雅黑" panose="020B0503020204020204" pitchFamily="34" charset="-122"/>
+                <a:ea typeface="微软雅黑" panose="020B0503020204020204" pitchFamily="34" charset="-122"/>
+                <a:sym typeface="+mn-ea"/>
+              </a:rPr>
               <a:t>var anim = function(){</a:t>
             </a:r>
             <a:br>
@@ -5193,7 +5670,36 @@
                 <a:ea typeface="微软雅黑" panose="020B0503020204020204" pitchFamily="34" charset="-122"/>
                 <a:sym typeface="+mn-ea"/>
               </a:rPr>
-              <a:t>    requestAnimationFrame(anim);</a:t>
+              <a:t>    </a:t>
+            </a:r>
+            <a:r>
+              <a:rPr sz="2400">
+                <a:solidFill>
+                  <a:schemeClr val="tx1"/>
+                </a:solidFill>
+                <a:sym typeface="+mn-ea"/>
+              </a:rPr>
+              <a:t>animHandle </a:t>
+            </a:r>
+            <a:r>
+              <a:rPr lang="en-US" sz="2400">
+                <a:solidFill>
+                  <a:schemeClr val="tx1"/>
+                </a:solidFill>
+                <a:sym typeface="+mn-ea"/>
+              </a:rPr>
+              <a:t>= </a:t>
+            </a:r>
+            <a:r>
+              <a:rPr sz="2400" noProof="1">
+                <a:solidFill>
+                  <a:schemeClr val="tx1"/>
+                </a:solidFill>
+                <a:latin typeface="微软雅黑" panose="020B0503020204020204" pitchFamily="34" charset="-122"/>
+                <a:ea typeface="微软雅黑" panose="020B0503020204020204" pitchFamily="34" charset="-122"/>
+                <a:sym typeface="+mn-ea"/>
+              </a:rPr>
+              <a:t>requestAnimationFrame(anim);</a:t>
             </a:r>
             <a:br>
               <a:rPr sz="2400" noProof="1">
@@ -5235,7 +5741,7 @@
                 <a:ea typeface="微软雅黑" panose="020B0503020204020204" pitchFamily="34" charset="-122"/>
                 <a:sym typeface="+mn-ea"/>
               </a:rPr>
-              <a:t>var animHandle = requestAnimationFrame(anim);</a:t>
+              <a:t>requestAnimationFrame(anim);</a:t>
             </a:r>
             <a:endParaRPr sz="2400" noProof="1">
               <a:solidFill>

--- a/materials/slides/ch04.pptx
+++ b/materials/slides/ch04.pptx
@@ -2645,7 +2645,7 @@
             <a:r>
               <a:rPr lang="en-US" altLang="zh-CN" sz="2200">
                 <a:solidFill>
-                  <a:srgbClr val="FF0000"/>
+                  <a:srgbClr val="0070C0"/>
                 </a:solidFill>
                 <a:latin typeface="+mn-ea"/>
                 <a:ea typeface="+mn-ea"/>
@@ -2653,9 +2653,9 @@
               </a:rPr>
               <a:t>LS04_05.html</a:t>
             </a:r>
-            <a:endParaRPr lang="zh-CN" altLang="en-US" sz="2200">
+            <a:endParaRPr lang="en-US" altLang="zh-CN" sz="2200">
               <a:solidFill>
-                <a:srgbClr val="FF0000"/>
+                <a:srgbClr val="0070C0"/>
               </a:solidFill>
               <a:latin typeface="+mn-ea"/>
               <a:ea typeface="+mn-ea"/>
@@ -2722,7 +2722,7 @@
             <a:r>
               <a:rPr lang="en-US" altLang="zh-CN" sz="2200">
                 <a:solidFill>
-                  <a:srgbClr val="FF0000"/>
+                  <a:srgbClr val="0070C0"/>
                 </a:solidFill>
                 <a:latin typeface="+mn-ea"/>
                 <a:ea typeface="+mn-ea"/>
@@ -2730,9 +2730,9 @@
               </a:rPr>
               <a:t>LS04_07.html</a:t>
             </a:r>
-            <a:endParaRPr lang="zh-CN" altLang="en-US" sz="2200">
+            <a:endParaRPr lang="en-US" altLang="zh-CN" sz="2200">
               <a:solidFill>
-                <a:srgbClr val="FF0000"/>
+                <a:srgbClr val="0070C0"/>
               </a:solidFill>
               <a:latin typeface="+mn-ea"/>
               <a:ea typeface="+mn-ea"/>
@@ -5918,7 +5918,7 @@
             <a:r>
               <a:rPr lang="en-US" altLang="zh-CN" sz="2200">
                 <a:solidFill>
-                  <a:srgbClr val="FF0000"/>
+                  <a:srgbClr val="0070C0"/>
                 </a:solidFill>
                 <a:latin typeface="+mn-ea"/>
                 <a:ea typeface="+mn-ea"/>
@@ -5926,9 +5926,9 @@
               </a:rPr>
               <a:t>LS04_02.html</a:t>
             </a:r>
-            <a:endParaRPr lang="zh-CN" altLang="en-US" sz="2200">
+            <a:endParaRPr lang="en-US" altLang="zh-CN" sz="2200">
               <a:solidFill>
-                <a:srgbClr val="FF0000"/>
+                <a:srgbClr val="0070C0"/>
               </a:solidFill>
               <a:latin typeface="+mn-ea"/>
               <a:ea typeface="+mn-ea"/>
